--- a/textures/Manet_Dejeuner_card.pptx
+++ b/textures/Manet_Dejeuner_card.pptx
@@ -17,6 +17,8 @@
     <p:sldId id="265" r:id="rId11"/>
     <p:sldId id="266" r:id="rId12"/>
     <p:sldId id="267" r:id="rId13"/>
+    <p:sldId id="268" r:id="rId14"/>
+    <p:sldId id="269" r:id="rId15"/>
   </p:sldIdLst>
   <p:sldSz cx="12192000" cy="6858000"/>
   <p:notesSz cx="6858000" cy="9144000"/>
@@ -115,6 +117,11 @@
       </a:defRPr>
     </a:lvl9pPr>
   </p:defaultTextStyle>
+  <p:extLst>
+    <p:ext uri="{EFAFB233-063F-42B5-8137-9DF3F51BA10A}">
+      <p15:sldGuideLst xmlns:p15="http://schemas.microsoft.com/office/powerpoint/2012/main"/>
+    </p:ext>
+  </p:extLst>
 </p:presentation>
 </file>
 
@@ -267,7 +274,7 @@
           <a:p>
             <a:fld id="{DB1A5E8E-59C5-4A12-98AA-72A7A6E5053B}" type="datetimeFigureOut">
               <a:rPr lang="it-IT" smtClean="0"/>
-              <a:t>24/08/2022</a:t>
+              <a:t>25/08/2022</a:t>
             </a:fld>
             <a:endParaRPr lang="it-IT"/>
           </a:p>
@@ -321,7 +328,7 @@
           <a:p>
             <a:fld id="{3EE610E7-F999-47D3-9565-92A2B4F66D91}" type="slidenum">
               <a:rPr lang="it-IT" smtClean="0"/>
-              <a:t>‹#›</a:t>
+              <a:t>‹N›</a:t>
             </a:fld>
             <a:endParaRPr lang="it-IT"/>
           </a:p>
@@ -467,7 +474,7 @@
           <a:p>
             <a:fld id="{DB1A5E8E-59C5-4A12-98AA-72A7A6E5053B}" type="datetimeFigureOut">
               <a:rPr lang="it-IT" smtClean="0"/>
-              <a:t>24/08/2022</a:t>
+              <a:t>25/08/2022</a:t>
             </a:fld>
             <a:endParaRPr lang="it-IT"/>
           </a:p>
@@ -521,7 +528,7 @@
           <a:p>
             <a:fld id="{3EE610E7-F999-47D3-9565-92A2B4F66D91}" type="slidenum">
               <a:rPr lang="it-IT" smtClean="0"/>
-              <a:t>‹#›</a:t>
+              <a:t>‹N›</a:t>
             </a:fld>
             <a:endParaRPr lang="it-IT"/>
           </a:p>
@@ -677,7 +684,7 @@
           <a:p>
             <a:fld id="{DB1A5E8E-59C5-4A12-98AA-72A7A6E5053B}" type="datetimeFigureOut">
               <a:rPr lang="it-IT" smtClean="0"/>
-              <a:t>24/08/2022</a:t>
+              <a:t>25/08/2022</a:t>
             </a:fld>
             <a:endParaRPr lang="it-IT"/>
           </a:p>
@@ -731,7 +738,7 @@
           <a:p>
             <a:fld id="{3EE610E7-F999-47D3-9565-92A2B4F66D91}" type="slidenum">
               <a:rPr lang="it-IT" smtClean="0"/>
-              <a:t>‹#›</a:t>
+              <a:t>‹N›</a:t>
             </a:fld>
             <a:endParaRPr lang="it-IT"/>
           </a:p>
@@ -877,7 +884,7 @@
           <a:p>
             <a:fld id="{DB1A5E8E-59C5-4A12-98AA-72A7A6E5053B}" type="datetimeFigureOut">
               <a:rPr lang="it-IT" smtClean="0"/>
-              <a:t>24/08/2022</a:t>
+              <a:t>25/08/2022</a:t>
             </a:fld>
             <a:endParaRPr lang="it-IT"/>
           </a:p>
@@ -931,7 +938,7 @@
           <a:p>
             <a:fld id="{3EE610E7-F999-47D3-9565-92A2B4F66D91}" type="slidenum">
               <a:rPr lang="it-IT" smtClean="0"/>
-              <a:t>‹#›</a:t>
+              <a:t>‹N›</a:t>
             </a:fld>
             <a:endParaRPr lang="it-IT"/>
           </a:p>
@@ -1153,7 +1160,7 @@
           <a:p>
             <a:fld id="{DB1A5E8E-59C5-4A12-98AA-72A7A6E5053B}" type="datetimeFigureOut">
               <a:rPr lang="it-IT" smtClean="0"/>
-              <a:t>24/08/2022</a:t>
+              <a:t>25/08/2022</a:t>
             </a:fld>
             <a:endParaRPr lang="it-IT"/>
           </a:p>
@@ -1207,7 +1214,7 @@
           <a:p>
             <a:fld id="{3EE610E7-F999-47D3-9565-92A2B4F66D91}" type="slidenum">
               <a:rPr lang="it-IT" smtClean="0"/>
-              <a:t>‹#›</a:t>
+              <a:t>‹N›</a:t>
             </a:fld>
             <a:endParaRPr lang="it-IT"/>
           </a:p>
@@ -1421,7 +1428,7 @@
           <a:p>
             <a:fld id="{DB1A5E8E-59C5-4A12-98AA-72A7A6E5053B}" type="datetimeFigureOut">
               <a:rPr lang="it-IT" smtClean="0"/>
-              <a:t>24/08/2022</a:t>
+              <a:t>25/08/2022</a:t>
             </a:fld>
             <a:endParaRPr lang="it-IT"/>
           </a:p>
@@ -1475,7 +1482,7 @@
           <a:p>
             <a:fld id="{3EE610E7-F999-47D3-9565-92A2B4F66D91}" type="slidenum">
               <a:rPr lang="it-IT" smtClean="0"/>
-              <a:t>‹#›</a:t>
+              <a:t>‹N›</a:t>
             </a:fld>
             <a:endParaRPr lang="it-IT"/>
           </a:p>
@@ -1836,7 +1843,7 @@
           <a:p>
             <a:fld id="{DB1A5E8E-59C5-4A12-98AA-72A7A6E5053B}" type="datetimeFigureOut">
               <a:rPr lang="it-IT" smtClean="0"/>
-              <a:t>24/08/2022</a:t>
+              <a:t>25/08/2022</a:t>
             </a:fld>
             <a:endParaRPr lang="it-IT"/>
           </a:p>
@@ -1890,7 +1897,7 @@
           <a:p>
             <a:fld id="{3EE610E7-F999-47D3-9565-92A2B4F66D91}" type="slidenum">
               <a:rPr lang="it-IT" smtClean="0"/>
-              <a:t>‹#›</a:t>
+              <a:t>‹N›</a:t>
             </a:fld>
             <a:endParaRPr lang="it-IT"/>
           </a:p>
@@ -1978,7 +1985,7 @@
           <a:p>
             <a:fld id="{DB1A5E8E-59C5-4A12-98AA-72A7A6E5053B}" type="datetimeFigureOut">
               <a:rPr lang="it-IT" smtClean="0"/>
-              <a:t>24/08/2022</a:t>
+              <a:t>25/08/2022</a:t>
             </a:fld>
             <a:endParaRPr lang="it-IT"/>
           </a:p>
@@ -2032,7 +2039,7 @@
           <a:p>
             <a:fld id="{3EE610E7-F999-47D3-9565-92A2B4F66D91}" type="slidenum">
               <a:rPr lang="it-IT" smtClean="0"/>
-              <a:t>‹#›</a:t>
+              <a:t>‹N›</a:t>
             </a:fld>
             <a:endParaRPr lang="it-IT"/>
           </a:p>
@@ -2091,7 +2098,7 @@
           <a:p>
             <a:fld id="{DB1A5E8E-59C5-4A12-98AA-72A7A6E5053B}" type="datetimeFigureOut">
               <a:rPr lang="it-IT" smtClean="0"/>
-              <a:t>24/08/2022</a:t>
+              <a:t>25/08/2022</a:t>
             </a:fld>
             <a:endParaRPr lang="it-IT"/>
           </a:p>
@@ -2145,7 +2152,7 @@
           <a:p>
             <a:fld id="{3EE610E7-F999-47D3-9565-92A2B4F66D91}" type="slidenum">
               <a:rPr lang="it-IT" smtClean="0"/>
-              <a:t>‹#›</a:t>
+              <a:t>‹N›</a:t>
             </a:fld>
             <a:endParaRPr lang="it-IT"/>
           </a:p>
@@ -2404,7 +2411,7 @@
           <a:p>
             <a:fld id="{DB1A5E8E-59C5-4A12-98AA-72A7A6E5053B}" type="datetimeFigureOut">
               <a:rPr lang="it-IT" smtClean="0"/>
-              <a:t>24/08/2022</a:t>
+              <a:t>25/08/2022</a:t>
             </a:fld>
             <a:endParaRPr lang="it-IT"/>
           </a:p>
@@ -2458,7 +2465,7 @@
           <a:p>
             <a:fld id="{3EE610E7-F999-47D3-9565-92A2B4F66D91}" type="slidenum">
               <a:rPr lang="it-IT" smtClean="0"/>
-              <a:t>‹#›</a:t>
+              <a:t>‹N›</a:t>
             </a:fld>
             <a:endParaRPr lang="it-IT"/>
           </a:p>
@@ -2693,7 +2700,7 @@
           <a:p>
             <a:fld id="{DB1A5E8E-59C5-4A12-98AA-72A7A6E5053B}" type="datetimeFigureOut">
               <a:rPr lang="it-IT" smtClean="0"/>
-              <a:t>24/08/2022</a:t>
+              <a:t>25/08/2022</a:t>
             </a:fld>
             <a:endParaRPr lang="it-IT"/>
           </a:p>
@@ -2747,7 +2754,7 @@
           <a:p>
             <a:fld id="{3EE610E7-F999-47D3-9565-92A2B4F66D91}" type="slidenum">
               <a:rPr lang="it-IT" smtClean="0"/>
-              <a:t>‹#›</a:t>
+              <a:t>‹N›</a:t>
             </a:fld>
             <a:endParaRPr lang="it-IT"/>
           </a:p>
@@ -2936,7 +2943,7 @@
           <a:p>
             <a:fld id="{DB1A5E8E-59C5-4A12-98AA-72A7A6E5053B}" type="datetimeFigureOut">
               <a:rPr lang="it-IT" smtClean="0"/>
-              <a:t>24/08/2022</a:t>
+              <a:t>25/08/2022</a:t>
             </a:fld>
             <a:endParaRPr lang="it-IT"/>
           </a:p>
@@ -3026,7 +3033,7 @@
           <a:p>
             <a:fld id="{3EE610E7-F999-47D3-9565-92A2B4F66D91}" type="slidenum">
               <a:rPr lang="it-IT" smtClean="0"/>
-              <a:t>‹#›</a:t>
+              <a:t>‹N›</a:t>
             </a:fld>
             <a:endParaRPr lang="it-IT"/>
           </a:p>
@@ -3952,6 +3959,494 @@
 </p:sld>
 </file>
 
+<file path=ppt/slides/slide13.xml><?xml version="1.0" encoding="utf-8"?>
+<p:sld xmlns:a="http://schemas.openxmlformats.org/drawingml/2006/main" xmlns:r="http://schemas.openxmlformats.org/officeDocument/2006/relationships" xmlns:p="http://schemas.openxmlformats.org/presentationml/2006/main">
+  <p:cSld>
+    <p:spTree>
+      <p:nvGrpSpPr>
+        <p:cNvPr id="1" name=""/>
+        <p:cNvGrpSpPr/>
+        <p:nvPr/>
+      </p:nvGrpSpPr>
+      <p:grpSpPr>
+        <a:xfrm>
+          <a:off x="0" y="0"/>
+          <a:ext cx="0" cy="0"/>
+          <a:chOff x="0" y="0"/>
+          <a:chExt cx="0" cy="0"/>
+        </a:xfrm>
+      </p:grpSpPr>
+      <p:sp>
+        <p:nvSpPr>
+          <p:cNvPr id="2" name="Titolo 1">
+            <a:extLst>
+              <a:ext uri="{FF2B5EF4-FFF2-40B4-BE49-F238E27FC236}">
+                <a16:creationId xmlns:a16="http://schemas.microsoft.com/office/drawing/2014/main" id="{7B15121C-590C-5D1B-11C6-4251191EF043}"/>
+              </a:ext>
+            </a:extLst>
+          </p:cNvPr>
+          <p:cNvSpPr>
+            <a:spLocks noGrp="1"/>
+          </p:cNvSpPr>
+          <p:nvPr>
+            <p:ph type="title"/>
+          </p:nvPr>
+        </p:nvSpPr>
+        <p:spPr>
+          <a:xfrm>
+            <a:off x="796905" y="866570"/>
+            <a:ext cx="10515600" cy="1325563"/>
+          </a:xfrm>
+        </p:spPr>
+        <p:txBody>
+          <a:bodyPr>
+            <a:normAutofit fontScale="90000"/>
+          </a:bodyPr>
+          <a:lstStyle/>
+          <a:p>
+            <a:pPr algn="ctr"/>
+            <a:br>
+              <a:rPr lang="fr-FR" sz="4400" b="1" i="1" dirty="0">
+                <a:solidFill>
+                  <a:srgbClr val="000000"/>
+                </a:solidFill>
+                <a:effectLst/>
+                <a:latin typeface="Linux Libertine"/>
+              </a:rPr>
+            </a:br>
+            <a:r>
+              <a:rPr lang="fr-FR" sz="4400" b="1" i="1" dirty="0">
+                <a:solidFill>
+                  <a:srgbClr val="000000"/>
+                </a:solidFill>
+                <a:effectLst/>
+                <a:latin typeface="Linux Libertine"/>
+              </a:rPr>
+              <a:t>	</a:t>
+            </a:r>
+            <a:r>
+              <a:rPr lang="fr-FR" sz="8000" b="1" i="1" dirty="0" err="1">
+                <a:solidFill>
+                  <a:srgbClr val="000000"/>
+                </a:solidFill>
+                <a:effectLst/>
+                <a:latin typeface="Linux Libertine"/>
+              </a:rPr>
+              <a:t>Among</a:t>
+            </a:r>
+            <a:r>
+              <a:rPr lang="fr-FR" sz="8000" b="1" i="1" dirty="0">
+                <a:solidFill>
+                  <a:srgbClr val="000000"/>
+                </a:solidFill>
+                <a:effectLst/>
+                <a:latin typeface="Linux Libertine"/>
+              </a:rPr>
+              <a:t> Us </a:t>
+            </a:r>
+            <a:r>
+              <a:rPr lang="fr-FR" sz="8000" b="1" i="1" dirty="0" err="1">
+                <a:solidFill>
+                  <a:srgbClr val="000000"/>
+                </a:solidFill>
+                <a:effectLst/>
+                <a:latin typeface="Linux Libertine"/>
+              </a:rPr>
+              <a:t>Astronaut</a:t>
+            </a:r>
+            <a:br>
+              <a:rPr lang="fr-FR" sz="8000" b="1" i="1" dirty="0">
+                <a:solidFill>
+                  <a:srgbClr val="000000"/>
+                </a:solidFill>
+                <a:effectLst/>
+                <a:latin typeface="Linux Libertine"/>
+              </a:rPr>
+            </a:br>
+            <a:r>
+              <a:rPr lang="fr-FR" sz="8000" b="1" i="1" dirty="0">
+                <a:solidFill>
+                  <a:srgbClr val="000000"/>
+                </a:solidFill>
+                <a:effectLst/>
+                <a:latin typeface="Linux Libertine"/>
+              </a:rPr>
+              <a:t>	</a:t>
+            </a:r>
+            <a:r>
+              <a:rPr lang="fr-FR" sz="8000" b="1" i="1" dirty="0" err="1">
+                <a:solidFill>
+                  <a:srgbClr val="000000"/>
+                </a:solidFill>
+                <a:effectLst/>
+                <a:latin typeface="Linux Libertine"/>
+              </a:rPr>
+              <a:t>Unknown</a:t>
+            </a:r>
+            <a:r>
+              <a:rPr lang="fr-FR" sz="8000" b="1" i="1" dirty="0">
+                <a:solidFill>
+                  <a:srgbClr val="000000"/>
+                </a:solidFill>
+                <a:effectLst/>
+                <a:latin typeface="Linux Libertine"/>
+              </a:rPr>
+              <a:t> </a:t>
+            </a:r>
+            <a:r>
+              <a:rPr lang="fr-FR" sz="8000" b="1" i="1" dirty="0" err="1">
+                <a:solidFill>
+                  <a:srgbClr val="000000"/>
+                </a:solidFill>
+                <a:effectLst/>
+                <a:latin typeface="Linux Libertine"/>
+              </a:rPr>
+              <a:t>Artist</a:t>
+            </a:r>
+            <a:br>
+              <a:rPr lang="en-US" dirty="0"/>
+            </a:br>
+            <a:endParaRPr lang="it-IT" dirty="0"/>
+          </a:p>
+        </p:txBody>
+      </p:sp>
+      <p:sp>
+        <p:nvSpPr>
+          <p:cNvPr id="3" name="Segnaposto contenuto 2">
+            <a:extLst>
+              <a:ext uri="{FF2B5EF4-FFF2-40B4-BE49-F238E27FC236}">
+                <a16:creationId xmlns:a16="http://schemas.microsoft.com/office/drawing/2014/main" id="{EEABAF5A-456A-8CD8-0D51-632B1C59042A}"/>
+              </a:ext>
+            </a:extLst>
+          </p:cNvPr>
+          <p:cNvSpPr>
+            <a:spLocks noGrp="1"/>
+          </p:cNvSpPr>
+          <p:nvPr>
+            <p:ph idx="1"/>
+          </p:nvPr>
+        </p:nvSpPr>
+        <p:spPr>
+          <a:xfrm>
+            <a:off x="796905" y="2506662"/>
+            <a:ext cx="10515600" cy="4351338"/>
+          </a:xfrm>
+        </p:spPr>
+        <p:txBody>
+          <a:bodyPr/>
+          <a:lstStyle/>
+          <a:p>
+            <a:endParaRPr lang="it-IT" dirty="0"/>
+          </a:p>
+          <a:p>
+            <a:pPr marL="0" indent="0" algn="ctr">
+              <a:buNone/>
+            </a:pPr>
+            <a:r>
+              <a:rPr lang="fr-FR" sz="4400" dirty="0" err="1">
+                <a:solidFill>
+                  <a:srgbClr val="000000"/>
+                </a:solidFill>
+                <a:effectLst/>
+              </a:rPr>
+              <a:t>Sculpted</a:t>
+            </a:r>
+            <a:r>
+              <a:rPr lang="fr-FR" sz="4400" dirty="0">
+                <a:solidFill>
+                  <a:srgbClr val="000000"/>
+                </a:solidFill>
+                <a:effectLst/>
+              </a:rPr>
+              <a:t> in </a:t>
+            </a:r>
+            <a:r>
+              <a:rPr lang="fr-FR" sz="4400" dirty="0" err="1">
+                <a:solidFill>
+                  <a:srgbClr val="000000"/>
+                </a:solidFill>
+                <a:effectLst/>
+              </a:rPr>
+              <a:t>marble</a:t>
+            </a:r>
+            <a:r>
+              <a:rPr lang="fr-FR" sz="4400" dirty="0">
+                <a:solidFill>
+                  <a:srgbClr val="000000"/>
+                </a:solidFill>
+                <a:effectLst/>
+              </a:rPr>
+              <a:t>, in </a:t>
+            </a:r>
+            <a:r>
+              <a:rPr lang="fr-FR" sz="4400" dirty="0" err="1">
+                <a:solidFill>
+                  <a:srgbClr val="000000"/>
+                </a:solidFill>
+                <a:effectLst/>
+              </a:rPr>
+              <a:t>order</a:t>
+            </a:r>
+            <a:r>
+              <a:rPr lang="fr-FR" sz="4400" dirty="0">
+                <a:solidFill>
+                  <a:srgbClr val="000000"/>
+                </a:solidFill>
+                <a:effectLst/>
+              </a:rPr>
+              <a:t> to last over the centuries.</a:t>
+            </a:r>
+          </a:p>
+          <a:p>
+            <a:pPr marL="0" indent="0" algn="ctr">
+              <a:buNone/>
+            </a:pPr>
+            <a:r>
+              <a:rPr lang="fr-FR" sz="4400" dirty="0" err="1">
+                <a:solidFill>
+                  <a:srgbClr val="000000"/>
+                </a:solidFill>
+              </a:rPr>
+              <a:t>Deploted</a:t>
+            </a:r>
+            <a:r>
+              <a:rPr lang="fr-FR" sz="4400" dirty="0">
+                <a:solidFill>
+                  <a:srgbClr val="000000"/>
+                </a:solidFill>
+              </a:rPr>
+              <a:t> on </a:t>
+            </a:r>
+            <a:r>
+              <a:rPr lang="fr-FR" sz="4400" dirty="0" err="1">
+                <a:solidFill>
+                  <a:srgbClr val="000000"/>
+                </a:solidFill>
+              </a:rPr>
+              <a:t>very</a:t>
+            </a:r>
+            <a:r>
+              <a:rPr lang="fr-FR" sz="4400" dirty="0">
+                <a:solidFill>
+                  <a:srgbClr val="000000"/>
+                </a:solidFill>
+              </a:rPr>
+              <a:t> important missions </a:t>
+            </a:r>
+            <a:r>
+              <a:rPr lang="fr-FR" sz="4400" dirty="0" err="1">
+                <a:solidFill>
+                  <a:srgbClr val="000000"/>
+                </a:solidFill>
+              </a:rPr>
+              <a:t>related</a:t>
+            </a:r>
+            <a:r>
+              <a:rPr lang="fr-FR" sz="4400" dirty="0">
+                <a:solidFill>
+                  <a:srgbClr val="000000"/>
+                </a:solidFill>
+              </a:rPr>
+              <a:t> to Computer Graphics.</a:t>
+            </a:r>
+          </a:p>
+          <a:p>
+            <a:pPr marL="0" indent="0" algn="ctr">
+              <a:buNone/>
+            </a:pPr>
+            <a:r>
+              <a:rPr lang="fr-FR" sz="4400" dirty="0" err="1">
+                <a:solidFill>
+                  <a:srgbClr val="000000"/>
+                </a:solidFill>
+              </a:rPr>
+              <a:t>Extremely</a:t>
+            </a:r>
+            <a:r>
+              <a:rPr lang="fr-FR" sz="4400" dirty="0">
+                <a:solidFill>
+                  <a:srgbClr val="000000"/>
+                </a:solidFill>
+              </a:rPr>
+              <a:t> </a:t>
+            </a:r>
+            <a:r>
+              <a:rPr lang="fr-FR" sz="4400" dirty="0" err="1">
+                <a:solidFill>
+                  <a:srgbClr val="000000"/>
+                </a:solidFill>
+              </a:rPr>
+              <a:t>suspicious</a:t>
+            </a:r>
+            <a:r>
+              <a:rPr lang="fr-FR" sz="4400" b="1" i="1" dirty="0">
+                <a:solidFill>
+                  <a:srgbClr val="000000"/>
+                </a:solidFill>
+                <a:latin typeface="Linux Libertine"/>
+              </a:rPr>
+              <a:t>.</a:t>
+            </a:r>
+            <a:endParaRPr lang="it-IT" sz="4400" dirty="0"/>
+          </a:p>
+        </p:txBody>
+      </p:sp>
+    </p:spTree>
+    <p:extLst>
+      <p:ext uri="{BB962C8B-B14F-4D97-AF65-F5344CB8AC3E}">
+        <p14:creationId xmlns:p14="http://schemas.microsoft.com/office/powerpoint/2010/main" val="4046487090"/>
+      </p:ext>
+    </p:extLst>
+  </p:cSld>
+  <p:clrMapOvr>
+    <a:masterClrMapping/>
+  </p:clrMapOvr>
+</p:sld>
+</file>
+
+<file path=ppt/slides/slide14.xml><?xml version="1.0" encoding="utf-8"?>
+<p:sld xmlns:a="http://schemas.openxmlformats.org/drawingml/2006/main" xmlns:r="http://schemas.openxmlformats.org/officeDocument/2006/relationships" xmlns:p="http://schemas.openxmlformats.org/presentationml/2006/main">
+  <p:cSld>
+    <p:spTree>
+      <p:nvGrpSpPr>
+        <p:cNvPr id="1" name=""/>
+        <p:cNvGrpSpPr/>
+        <p:nvPr/>
+      </p:nvGrpSpPr>
+      <p:grpSpPr>
+        <a:xfrm>
+          <a:off x="0" y="0"/>
+          <a:ext cx="0" cy="0"/>
+          <a:chOff x="0" y="0"/>
+          <a:chExt cx="0" cy="0"/>
+        </a:xfrm>
+      </p:grpSpPr>
+      <p:sp>
+        <p:nvSpPr>
+          <p:cNvPr id="2" name="Titolo 1">
+            <a:extLst>
+              <a:ext uri="{FF2B5EF4-FFF2-40B4-BE49-F238E27FC236}">
+                <a16:creationId xmlns:a16="http://schemas.microsoft.com/office/drawing/2014/main" id="{7F9DEE4D-A4E6-C2F2-298C-68CE7B54B1D3}"/>
+              </a:ext>
+            </a:extLst>
+          </p:cNvPr>
+          <p:cNvSpPr>
+            <a:spLocks noGrp="1"/>
+          </p:cNvSpPr>
+          <p:nvPr>
+            <p:ph type="title"/>
+          </p:nvPr>
+        </p:nvSpPr>
+        <p:spPr>
+          <a:xfrm>
+            <a:off x="838200" y="1025853"/>
+            <a:ext cx="10515600" cy="1325563"/>
+          </a:xfrm>
+        </p:spPr>
+        <p:txBody>
+          <a:bodyPr>
+            <a:normAutofit fontScale="90000"/>
+          </a:bodyPr>
+          <a:lstStyle/>
+          <a:p>
+            <a:pPr algn="ctr"/>
+            <a:r>
+              <a:rPr lang="fr-FR" sz="8000" b="1" i="1" dirty="0">
+                <a:solidFill>
+                  <a:srgbClr val="000000"/>
+                </a:solidFill>
+                <a:effectLst/>
+                <a:latin typeface="Linux Libertine"/>
+              </a:rPr>
+              <a:t>Suzanne the Test Monkey </a:t>
+            </a:r>
+            <a:br>
+              <a:rPr lang="fr-FR" sz="8000" b="1" i="1" dirty="0">
+                <a:solidFill>
+                  <a:srgbClr val="000000"/>
+                </a:solidFill>
+                <a:effectLst/>
+                <a:latin typeface="Linux Libertine"/>
+              </a:rPr>
+            </a:br>
+            <a:r>
+              <a:rPr lang="fr-FR" sz="8000" b="1" i="1" dirty="0">
+                <a:solidFill>
+                  <a:srgbClr val="000000"/>
+                </a:solidFill>
+                <a:effectLst/>
+                <a:latin typeface="Linux Libertine"/>
+              </a:rPr>
+              <a:t>by Blender</a:t>
+            </a:r>
+            <a:br>
+              <a:rPr lang="en-US" dirty="0"/>
+            </a:br>
+            <a:endParaRPr lang="it-IT" dirty="0"/>
+          </a:p>
+        </p:txBody>
+      </p:sp>
+      <p:sp>
+        <p:nvSpPr>
+          <p:cNvPr id="3" name="Segnaposto contenuto 2">
+            <a:extLst>
+              <a:ext uri="{FF2B5EF4-FFF2-40B4-BE49-F238E27FC236}">
+                <a16:creationId xmlns:a16="http://schemas.microsoft.com/office/drawing/2014/main" id="{9EC467B4-A90D-49F0-7B2B-094F8F3B13A8}"/>
+              </a:ext>
+            </a:extLst>
+          </p:cNvPr>
+          <p:cNvSpPr>
+            <a:spLocks noGrp="1"/>
+          </p:cNvSpPr>
+          <p:nvPr>
+            <p:ph idx="1"/>
+          </p:nvPr>
+        </p:nvSpPr>
+        <p:spPr>
+          <a:xfrm>
+            <a:off x="838200" y="2598440"/>
+            <a:ext cx="10515600" cy="4351338"/>
+          </a:xfrm>
+        </p:spPr>
+        <p:txBody>
+          <a:bodyPr>
+            <a:normAutofit/>
+          </a:bodyPr>
+          <a:lstStyle/>
+          <a:p>
+            <a:pPr marL="0" indent="0" algn="ctr">
+              <a:buNone/>
+            </a:pPr>
+            <a:r>
+              <a:rPr lang="en-US" sz="4800" dirty="0"/>
+              <a:t>Considered over the years the saint patron of all Blender artists.</a:t>
+            </a:r>
+          </a:p>
+          <a:p>
+            <a:pPr marL="0" indent="0" algn="ctr">
+              <a:buNone/>
+            </a:pPr>
+            <a:r>
+              <a:rPr lang="en-US" sz="4800" dirty="0"/>
+              <a:t>Some say, that due to all the experiments that she was subjected to, only the head has remained.</a:t>
+            </a:r>
+            <a:endParaRPr lang="it-IT" sz="4800" dirty="0"/>
+          </a:p>
+        </p:txBody>
+      </p:sp>
+    </p:spTree>
+    <p:extLst>
+      <p:ext uri="{BB962C8B-B14F-4D97-AF65-F5344CB8AC3E}">
+        <p14:creationId xmlns:p14="http://schemas.microsoft.com/office/powerpoint/2010/main" val="756443482"/>
+      </p:ext>
+    </p:extLst>
+  </p:cSld>
+  <p:clrMapOvr>
+    <a:masterClrMapping/>
+  </p:clrMapOvr>
+</p:sld>
+</file>
+
 <file path=ppt/slides/slide2.xml><?xml version="1.0" encoding="utf-8"?>
 <p:sld xmlns:a="http://schemas.openxmlformats.org/drawingml/2006/main" xmlns:r="http://schemas.openxmlformats.org/officeDocument/2006/relationships" xmlns:p="http://schemas.openxmlformats.org/presentationml/2006/main">
   <p:cSld>
